--- a/AI-ML-Course-Induction-and-General/KNN/distance_measures 4.07.29 PM.pptx
+++ b/AI-ML-Course-Induction-and-General/KNN/distance_measures 4.07.29 PM.pptx
@@ -108,7 +108,7 @@
   </p:defaultTextStyle>
   <p:extLst>
     <p:ext uri="{EFAFB233-063F-42B5-8137-9DF3F51BA10A}">
-      <p15:sldGuideLst xmlns:p15="http://schemas.microsoft.com/office/powerpoint/2012/main"/>
+      <p15:sldGuideLst xmlns:p15="http://schemas.microsoft.com/office/powerpoint/2012/main" xmlns=""/>
     </p:ext>
   </p:extLst>
 </p:presentation>
@@ -136,7 +136,7 @@
           <p:cNvPr id="2" name="Title 1">
             <a:extLst>
               <a:ext uri="{FF2B5EF4-FFF2-40B4-BE49-F238E27FC236}">
-                <a16:creationId xmlns:a16="http://schemas.microsoft.com/office/drawing/2014/main" id="{456D9E62-1F10-7A4D-ACA3-C12A4FC58752}"/>
+                <a16:creationId xmlns:a16="http://schemas.microsoft.com/office/drawing/2014/main" xmlns="" id="{456D9E62-1F10-7A4D-ACA3-C12A4FC58752}"/>
               </a:ext>
             </a:extLst>
           </p:cNvPr>
@@ -174,7 +174,7 @@
           <p:cNvPr id="3" name="Subtitle 2">
             <a:extLst>
               <a:ext uri="{FF2B5EF4-FFF2-40B4-BE49-F238E27FC236}">
-                <a16:creationId xmlns:a16="http://schemas.microsoft.com/office/drawing/2014/main" id="{FEBC21FC-65E8-5342-8E1E-A1E876D73BF5}"/>
+                <a16:creationId xmlns:a16="http://schemas.microsoft.com/office/drawing/2014/main" xmlns="" id="{FEBC21FC-65E8-5342-8E1E-A1E876D73BF5}"/>
               </a:ext>
             </a:extLst>
           </p:cNvPr>
@@ -245,7 +245,7 @@
           <p:cNvPr id="4" name="Date Placeholder 3">
             <a:extLst>
               <a:ext uri="{FF2B5EF4-FFF2-40B4-BE49-F238E27FC236}">
-                <a16:creationId xmlns:a16="http://schemas.microsoft.com/office/drawing/2014/main" id="{4E127F10-3466-FD48-A970-6E5F4B58FE73}"/>
+                <a16:creationId xmlns:a16="http://schemas.microsoft.com/office/drawing/2014/main" xmlns="" id="{4E127F10-3466-FD48-A970-6E5F4B58FE73}"/>
               </a:ext>
             </a:extLst>
           </p:cNvPr>
@@ -263,7 +263,8 @@
           <a:p>
             <a:fld id="{089228D4-1D28-2B45-AE04-CCC0BA5AE948}" type="datetimeFigureOut">
               <a:rPr lang="en-US" smtClean="0"/>
-              <a:t>2/10/21</a:t>
+              <a:pPr/>
+              <a:t>6/21/2021</a:t>
             </a:fld>
             <a:endParaRPr lang="en-US"/>
           </a:p>
@@ -274,7 +275,7 @@
           <p:cNvPr id="5" name="Footer Placeholder 4">
             <a:extLst>
               <a:ext uri="{FF2B5EF4-FFF2-40B4-BE49-F238E27FC236}">
-                <a16:creationId xmlns:a16="http://schemas.microsoft.com/office/drawing/2014/main" id="{FD7FA9A8-5F2E-9542-A795-FC39A73A5E4E}"/>
+                <a16:creationId xmlns:a16="http://schemas.microsoft.com/office/drawing/2014/main" xmlns="" id="{FD7FA9A8-5F2E-9542-A795-FC39A73A5E4E}"/>
               </a:ext>
             </a:extLst>
           </p:cNvPr>
@@ -299,7 +300,7 @@
           <p:cNvPr id="6" name="Slide Number Placeholder 5">
             <a:extLst>
               <a:ext uri="{FF2B5EF4-FFF2-40B4-BE49-F238E27FC236}">
-                <a16:creationId xmlns:a16="http://schemas.microsoft.com/office/drawing/2014/main" id="{17D4B383-9635-DF4E-B853-9B7E37775B4C}"/>
+                <a16:creationId xmlns:a16="http://schemas.microsoft.com/office/drawing/2014/main" xmlns="" id="{17D4B383-9635-DF4E-B853-9B7E37775B4C}"/>
               </a:ext>
             </a:extLst>
           </p:cNvPr>
@@ -317,6 +318,7 @@
           <a:p>
             <a:fld id="{C74FB0F4-58DA-954B-980A-D3D1AD9E1A3F}" type="slidenum">
               <a:rPr lang="en-US" smtClean="0"/>
+              <a:pPr/>
               <a:t>‹#›</a:t>
             </a:fld>
             <a:endParaRPr lang="en-US"/>
@@ -326,7 +328,7 @@
     </p:spTree>
     <p:extLst>
       <p:ext uri="{BB962C8B-B14F-4D97-AF65-F5344CB8AC3E}">
-        <p14:creationId xmlns:p14="http://schemas.microsoft.com/office/powerpoint/2010/main" val="2037709915"/>
+        <p14:creationId xmlns:p14="http://schemas.microsoft.com/office/powerpoint/2010/main" xmlns="" val="2037709915"/>
       </p:ext>
     </p:extLst>
   </p:cSld>
@@ -358,7 +360,7 @@
           <p:cNvPr id="2" name="Title 1">
             <a:extLst>
               <a:ext uri="{FF2B5EF4-FFF2-40B4-BE49-F238E27FC236}">
-                <a16:creationId xmlns:a16="http://schemas.microsoft.com/office/drawing/2014/main" id="{7FA760E5-E8EC-5F48-96D6-E19022614001}"/>
+                <a16:creationId xmlns:a16="http://schemas.microsoft.com/office/drawing/2014/main" xmlns="" id="{7FA760E5-E8EC-5F48-96D6-E19022614001}"/>
               </a:ext>
             </a:extLst>
           </p:cNvPr>
@@ -387,7 +389,7 @@
           <p:cNvPr id="3" name="Vertical Text Placeholder 2">
             <a:extLst>
               <a:ext uri="{FF2B5EF4-FFF2-40B4-BE49-F238E27FC236}">
-                <a16:creationId xmlns:a16="http://schemas.microsoft.com/office/drawing/2014/main" id="{494BCB21-1BBF-E548-A122-0B5F433EE221}"/>
+                <a16:creationId xmlns:a16="http://schemas.microsoft.com/office/drawing/2014/main" xmlns="" id="{494BCB21-1BBF-E548-A122-0B5F433EE221}"/>
               </a:ext>
             </a:extLst>
           </p:cNvPr>
@@ -445,7 +447,7 @@
           <p:cNvPr id="4" name="Date Placeholder 3">
             <a:extLst>
               <a:ext uri="{FF2B5EF4-FFF2-40B4-BE49-F238E27FC236}">
-                <a16:creationId xmlns:a16="http://schemas.microsoft.com/office/drawing/2014/main" id="{B516E2FE-0EE7-0547-92FD-8226812439B7}"/>
+                <a16:creationId xmlns:a16="http://schemas.microsoft.com/office/drawing/2014/main" xmlns="" id="{B516E2FE-0EE7-0547-92FD-8226812439B7}"/>
               </a:ext>
             </a:extLst>
           </p:cNvPr>
@@ -463,7 +465,8 @@
           <a:p>
             <a:fld id="{089228D4-1D28-2B45-AE04-CCC0BA5AE948}" type="datetimeFigureOut">
               <a:rPr lang="en-US" smtClean="0"/>
-              <a:t>2/10/21</a:t>
+              <a:pPr/>
+              <a:t>6/21/2021</a:t>
             </a:fld>
             <a:endParaRPr lang="en-US"/>
           </a:p>
@@ -474,7 +477,7 @@
           <p:cNvPr id="5" name="Footer Placeholder 4">
             <a:extLst>
               <a:ext uri="{FF2B5EF4-FFF2-40B4-BE49-F238E27FC236}">
-                <a16:creationId xmlns:a16="http://schemas.microsoft.com/office/drawing/2014/main" id="{54389703-212B-9D40-87F9-1F527A330ECC}"/>
+                <a16:creationId xmlns:a16="http://schemas.microsoft.com/office/drawing/2014/main" xmlns="" id="{54389703-212B-9D40-87F9-1F527A330ECC}"/>
               </a:ext>
             </a:extLst>
           </p:cNvPr>
@@ -499,7 +502,7 @@
           <p:cNvPr id="6" name="Slide Number Placeholder 5">
             <a:extLst>
               <a:ext uri="{FF2B5EF4-FFF2-40B4-BE49-F238E27FC236}">
-                <a16:creationId xmlns:a16="http://schemas.microsoft.com/office/drawing/2014/main" id="{B051D587-5DF4-6548-8105-D519B863898A}"/>
+                <a16:creationId xmlns:a16="http://schemas.microsoft.com/office/drawing/2014/main" xmlns="" id="{B051D587-5DF4-6548-8105-D519B863898A}"/>
               </a:ext>
             </a:extLst>
           </p:cNvPr>
@@ -517,6 +520,7 @@
           <a:p>
             <a:fld id="{C74FB0F4-58DA-954B-980A-D3D1AD9E1A3F}" type="slidenum">
               <a:rPr lang="en-US" smtClean="0"/>
+              <a:pPr/>
               <a:t>‹#›</a:t>
             </a:fld>
             <a:endParaRPr lang="en-US"/>
@@ -526,7 +530,7 @@
     </p:spTree>
     <p:extLst>
       <p:ext uri="{BB962C8B-B14F-4D97-AF65-F5344CB8AC3E}">
-        <p14:creationId xmlns:p14="http://schemas.microsoft.com/office/powerpoint/2010/main" val="2653678135"/>
+        <p14:creationId xmlns:p14="http://schemas.microsoft.com/office/powerpoint/2010/main" xmlns="" val="2653678135"/>
       </p:ext>
     </p:extLst>
   </p:cSld>
@@ -558,7 +562,7 @@
           <p:cNvPr id="2" name="Vertical Title 1">
             <a:extLst>
               <a:ext uri="{FF2B5EF4-FFF2-40B4-BE49-F238E27FC236}">
-                <a16:creationId xmlns:a16="http://schemas.microsoft.com/office/drawing/2014/main" id="{77D2C574-122F-294A-88CE-134F68459A8E}"/>
+                <a16:creationId xmlns:a16="http://schemas.microsoft.com/office/drawing/2014/main" xmlns="" id="{77D2C574-122F-294A-88CE-134F68459A8E}"/>
               </a:ext>
             </a:extLst>
           </p:cNvPr>
@@ -592,7 +596,7 @@
           <p:cNvPr id="3" name="Vertical Text Placeholder 2">
             <a:extLst>
               <a:ext uri="{FF2B5EF4-FFF2-40B4-BE49-F238E27FC236}">
-                <a16:creationId xmlns:a16="http://schemas.microsoft.com/office/drawing/2014/main" id="{6E70E385-57AF-5943-9259-7E1DF899DDB2}"/>
+                <a16:creationId xmlns:a16="http://schemas.microsoft.com/office/drawing/2014/main" xmlns="" id="{6E70E385-57AF-5943-9259-7E1DF899DDB2}"/>
               </a:ext>
             </a:extLst>
           </p:cNvPr>
@@ -655,7 +659,7 @@
           <p:cNvPr id="4" name="Date Placeholder 3">
             <a:extLst>
               <a:ext uri="{FF2B5EF4-FFF2-40B4-BE49-F238E27FC236}">
-                <a16:creationId xmlns:a16="http://schemas.microsoft.com/office/drawing/2014/main" id="{C024D9E9-98CB-7A45-B4AA-A45B33AF1E25}"/>
+                <a16:creationId xmlns:a16="http://schemas.microsoft.com/office/drawing/2014/main" xmlns="" id="{C024D9E9-98CB-7A45-B4AA-A45B33AF1E25}"/>
               </a:ext>
             </a:extLst>
           </p:cNvPr>
@@ -673,7 +677,8 @@
           <a:p>
             <a:fld id="{089228D4-1D28-2B45-AE04-CCC0BA5AE948}" type="datetimeFigureOut">
               <a:rPr lang="en-US" smtClean="0"/>
-              <a:t>2/10/21</a:t>
+              <a:pPr/>
+              <a:t>6/21/2021</a:t>
             </a:fld>
             <a:endParaRPr lang="en-US"/>
           </a:p>
@@ -684,7 +689,7 @@
           <p:cNvPr id="5" name="Footer Placeholder 4">
             <a:extLst>
               <a:ext uri="{FF2B5EF4-FFF2-40B4-BE49-F238E27FC236}">
-                <a16:creationId xmlns:a16="http://schemas.microsoft.com/office/drawing/2014/main" id="{22BB8049-901C-9A48-86D7-105CB66739A1}"/>
+                <a16:creationId xmlns:a16="http://schemas.microsoft.com/office/drawing/2014/main" xmlns="" id="{22BB8049-901C-9A48-86D7-105CB66739A1}"/>
               </a:ext>
             </a:extLst>
           </p:cNvPr>
@@ -709,7 +714,7 @@
           <p:cNvPr id="6" name="Slide Number Placeholder 5">
             <a:extLst>
               <a:ext uri="{FF2B5EF4-FFF2-40B4-BE49-F238E27FC236}">
-                <a16:creationId xmlns:a16="http://schemas.microsoft.com/office/drawing/2014/main" id="{17B42C09-ED9C-1548-8FAA-7F992F47B732}"/>
+                <a16:creationId xmlns:a16="http://schemas.microsoft.com/office/drawing/2014/main" xmlns="" id="{17B42C09-ED9C-1548-8FAA-7F992F47B732}"/>
               </a:ext>
             </a:extLst>
           </p:cNvPr>
@@ -727,6 +732,7 @@
           <a:p>
             <a:fld id="{C74FB0F4-58DA-954B-980A-D3D1AD9E1A3F}" type="slidenum">
               <a:rPr lang="en-US" smtClean="0"/>
+              <a:pPr/>
               <a:t>‹#›</a:t>
             </a:fld>
             <a:endParaRPr lang="en-US"/>
@@ -736,7 +742,7 @@
     </p:spTree>
     <p:extLst>
       <p:ext uri="{BB962C8B-B14F-4D97-AF65-F5344CB8AC3E}">
-        <p14:creationId xmlns:p14="http://schemas.microsoft.com/office/powerpoint/2010/main" val="602911568"/>
+        <p14:creationId xmlns:p14="http://schemas.microsoft.com/office/powerpoint/2010/main" xmlns="" val="602911568"/>
       </p:ext>
     </p:extLst>
   </p:cSld>
@@ -768,7 +774,7 @@
           <p:cNvPr id="2" name="Title 1">
             <a:extLst>
               <a:ext uri="{FF2B5EF4-FFF2-40B4-BE49-F238E27FC236}">
-                <a16:creationId xmlns:a16="http://schemas.microsoft.com/office/drawing/2014/main" id="{E3BA0550-2E97-3544-801C-3846F9447604}"/>
+                <a16:creationId xmlns:a16="http://schemas.microsoft.com/office/drawing/2014/main" xmlns="" id="{E3BA0550-2E97-3544-801C-3846F9447604}"/>
               </a:ext>
             </a:extLst>
           </p:cNvPr>
@@ -797,7 +803,7 @@
           <p:cNvPr id="3" name="Content Placeholder 2">
             <a:extLst>
               <a:ext uri="{FF2B5EF4-FFF2-40B4-BE49-F238E27FC236}">
-                <a16:creationId xmlns:a16="http://schemas.microsoft.com/office/drawing/2014/main" id="{423F37A9-75AE-BF42-9F98-4F57847E9ADC}"/>
+                <a16:creationId xmlns:a16="http://schemas.microsoft.com/office/drawing/2014/main" xmlns="" id="{423F37A9-75AE-BF42-9F98-4F57847E9ADC}"/>
               </a:ext>
             </a:extLst>
           </p:cNvPr>
@@ -855,7 +861,7 @@
           <p:cNvPr id="4" name="Date Placeholder 3">
             <a:extLst>
               <a:ext uri="{FF2B5EF4-FFF2-40B4-BE49-F238E27FC236}">
-                <a16:creationId xmlns:a16="http://schemas.microsoft.com/office/drawing/2014/main" id="{7833D6B7-C163-F048-A75C-EBF6818B568E}"/>
+                <a16:creationId xmlns:a16="http://schemas.microsoft.com/office/drawing/2014/main" xmlns="" id="{7833D6B7-C163-F048-A75C-EBF6818B568E}"/>
               </a:ext>
             </a:extLst>
           </p:cNvPr>
@@ -873,7 +879,8 @@
           <a:p>
             <a:fld id="{089228D4-1D28-2B45-AE04-CCC0BA5AE948}" type="datetimeFigureOut">
               <a:rPr lang="en-US" smtClean="0"/>
-              <a:t>2/10/21</a:t>
+              <a:pPr/>
+              <a:t>6/21/2021</a:t>
             </a:fld>
             <a:endParaRPr lang="en-US"/>
           </a:p>
@@ -884,7 +891,7 @@
           <p:cNvPr id="5" name="Footer Placeholder 4">
             <a:extLst>
               <a:ext uri="{FF2B5EF4-FFF2-40B4-BE49-F238E27FC236}">
-                <a16:creationId xmlns:a16="http://schemas.microsoft.com/office/drawing/2014/main" id="{10F2CF4A-E8A9-AA46-B282-E9AF36203FBD}"/>
+                <a16:creationId xmlns:a16="http://schemas.microsoft.com/office/drawing/2014/main" xmlns="" id="{10F2CF4A-E8A9-AA46-B282-E9AF36203FBD}"/>
               </a:ext>
             </a:extLst>
           </p:cNvPr>
@@ -909,7 +916,7 @@
           <p:cNvPr id="6" name="Slide Number Placeholder 5">
             <a:extLst>
               <a:ext uri="{FF2B5EF4-FFF2-40B4-BE49-F238E27FC236}">
-                <a16:creationId xmlns:a16="http://schemas.microsoft.com/office/drawing/2014/main" id="{9D1D478B-CDDD-FC4E-8955-3A8C98724DBC}"/>
+                <a16:creationId xmlns:a16="http://schemas.microsoft.com/office/drawing/2014/main" xmlns="" id="{9D1D478B-CDDD-FC4E-8955-3A8C98724DBC}"/>
               </a:ext>
             </a:extLst>
           </p:cNvPr>
@@ -927,6 +934,7 @@
           <a:p>
             <a:fld id="{C74FB0F4-58DA-954B-980A-D3D1AD9E1A3F}" type="slidenum">
               <a:rPr lang="en-US" smtClean="0"/>
+              <a:pPr/>
               <a:t>‹#›</a:t>
             </a:fld>
             <a:endParaRPr lang="en-US"/>
@@ -936,7 +944,7 @@
     </p:spTree>
     <p:extLst>
       <p:ext uri="{BB962C8B-B14F-4D97-AF65-F5344CB8AC3E}">
-        <p14:creationId xmlns:p14="http://schemas.microsoft.com/office/powerpoint/2010/main" val="3645008651"/>
+        <p14:creationId xmlns:p14="http://schemas.microsoft.com/office/powerpoint/2010/main" xmlns="" val="3645008651"/>
       </p:ext>
     </p:extLst>
   </p:cSld>
@@ -968,7 +976,7 @@
           <p:cNvPr id="2" name="Title 1">
             <a:extLst>
               <a:ext uri="{FF2B5EF4-FFF2-40B4-BE49-F238E27FC236}">
-                <a16:creationId xmlns:a16="http://schemas.microsoft.com/office/drawing/2014/main" id="{9043D6FE-92AA-9840-B07F-320AFE0FEB56}"/>
+                <a16:creationId xmlns:a16="http://schemas.microsoft.com/office/drawing/2014/main" xmlns="" id="{9043D6FE-92AA-9840-B07F-320AFE0FEB56}"/>
               </a:ext>
             </a:extLst>
           </p:cNvPr>
@@ -1006,7 +1014,7 @@
           <p:cNvPr id="3" name="Text Placeholder 2">
             <a:extLst>
               <a:ext uri="{FF2B5EF4-FFF2-40B4-BE49-F238E27FC236}">
-                <a16:creationId xmlns:a16="http://schemas.microsoft.com/office/drawing/2014/main" id="{56FD6639-5CB6-AB48-836D-881C9ACDED2F}"/>
+                <a16:creationId xmlns:a16="http://schemas.microsoft.com/office/drawing/2014/main" xmlns="" id="{56FD6639-5CB6-AB48-836D-881C9ACDED2F}"/>
               </a:ext>
             </a:extLst>
           </p:cNvPr>
@@ -1131,7 +1139,7 @@
           <p:cNvPr id="4" name="Date Placeholder 3">
             <a:extLst>
               <a:ext uri="{FF2B5EF4-FFF2-40B4-BE49-F238E27FC236}">
-                <a16:creationId xmlns:a16="http://schemas.microsoft.com/office/drawing/2014/main" id="{9E9833A2-198E-0045-8307-E1294D373D3E}"/>
+                <a16:creationId xmlns:a16="http://schemas.microsoft.com/office/drawing/2014/main" xmlns="" id="{9E9833A2-198E-0045-8307-E1294D373D3E}"/>
               </a:ext>
             </a:extLst>
           </p:cNvPr>
@@ -1149,7 +1157,8 @@
           <a:p>
             <a:fld id="{089228D4-1D28-2B45-AE04-CCC0BA5AE948}" type="datetimeFigureOut">
               <a:rPr lang="en-US" smtClean="0"/>
-              <a:t>2/10/21</a:t>
+              <a:pPr/>
+              <a:t>6/21/2021</a:t>
             </a:fld>
             <a:endParaRPr lang="en-US"/>
           </a:p>
@@ -1160,7 +1169,7 @@
           <p:cNvPr id="5" name="Footer Placeholder 4">
             <a:extLst>
               <a:ext uri="{FF2B5EF4-FFF2-40B4-BE49-F238E27FC236}">
-                <a16:creationId xmlns:a16="http://schemas.microsoft.com/office/drawing/2014/main" id="{66F26413-C6B3-E245-B9E9-D1B04374EEB2}"/>
+                <a16:creationId xmlns:a16="http://schemas.microsoft.com/office/drawing/2014/main" xmlns="" id="{66F26413-C6B3-E245-B9E9-D1B04374EEB2}"/>
               </a:ext>
             </a:extLst>
           </p:cNvPr>
@@ -1185,7 +1194,7 @@
           <p:cNvPr id="6" name="Slide Number Placeholder 5">
             <a:extLst>
               <a:ext uri="{FF2B5EF4-FFF2-40B4-BE49-F238E27FC236}">
-                <a16:creationId xmlns:a16="http://schemas.microsoft.com/office/drawing/2014/main" id="{EB1F6E8F-35A5-A04B-8A49-2E1EDA624EC6}"/>
+                <a16:creationId xmlns:a16="http://schemas.microsoft.com/office/drawing/2014/main" xmlns="" id="{EB1F6E8F-35A5-A04B-8A49-2E1EDA624EC6}"/>
               </a:ext>
             </a:extLst>
           </p:cNvPr>
@@ -1203,6 +1212,7 @@
           <a:p>
             <a:fld id="{C74FB0F4-58DA-954B-980A-D3D1AD9E1A3F}" type="slidenum">
               <a:rPr lang="en-US" smtClean="0"/>
+              <a:pPr/>
               <a:t>‹#›</a:t>
             </a:fld>
             <a:endParaRPr lang="en-US"/>
@@ -1212,7 +1222,7 @@
     </p:spTree>
     <p:extLst>
       <p:ext uri="{BB962C8B-B14F-4D97-AF65-F5344CB8AC3E}">
-        <p14:creationId xmlns:p14="http://schemas.microsoft.com/office/powerpoint/2010/main" val="3258883466"/>
+        <p14:creationId xmlns:p14="http://schemas.microsoft.com/office/powerpoint/2010/main" xmlns="" val="3258883466"/>
       </p:ext>
     </p:extLst>
   </p:cSld>
@@ -1244,7 +1254,7 @@
           <p:cNvPr id="2" name="Title 1">
             <a:extLst>
               <a:ext uri="{FF2B5EF4-FFF2-40B4-BE49-F238E27FC236}">
-                <a16:creationId xmlns:a16="http://schemas.microsoft.com/office/drawing/2014/main" id="{44A3301D-09D7-2F49-B3EC-35195B016022}"/>
+                <a16:creationId xmlns:a16="http://schemas.microsoft.com/office/drawing/2014/main" xmlns="" id="{44A3301D-09D7-2F49-B3EC-35195B016022}"/>
               </a:ext>
             </a:extLst>
           </p:cNvPr>
@@ -1273,7 +1283,7 @@
           <p:cNvPr id="3" name="Content Placeholder 2">
             <a:extLst>
               <a:ext uri="{FF2B5EF4-FFF2-40B4-BE49-F238E27FC236}">
-                <a16:creationId xmlns:a16="http://schemas.microsoft.com/office/drawing/2014/main" id="{AB000151-5C56-7B4B-95F5-6F668B2BAD30}"/>
+                <a16:creationId xmlns:a16="http://schemas.microsoft.com/office/drawing/2014/main" xmlns="" id="{AB000151-5C56-7B4B-95F5-6F668B2BAD30}"/>
               </a:ext>
             </a:extLst>
           </p:cNvPr>
@@ -1336,7 +1346,7 @@
           <p:cNvPr id="4" name="Content Placeholder 3">
             <a:extLst>
               <a:ext uri="{FF2B5EF4-FFF2-40B4-BE49-F238E27FC236}">
-                <a16:creationId xmlns:a16="http://schemas.microsoft.com/office/drawing/2014/main" id="{3A8A25AC-F856-BB4E-8B96-4710C7A67E5D}"/>
+                <a16:creationId xmlns:a16="http://schemas.microsoft.com/office/drawing/2014/main" xmlns="" id="{3A8A25AC-F856-BB4E-8B96-4710C7A67E5D}"/>
               </a:ext>
             </a:extLst>
           </p:cNvPr>
@@ -1399,7 +1409,7 @@
           <p:cNvPr id="5" name="Date Placeholder 4">
             <a:extLst>
               <a:ext uri="{FF2B5EF4-FFF2-40B4-BE49-F238E27FC236}">
-                <a16:creationId xmlns:a16="http://schemas.microsoft.com/office/drawing/2014/main" id="{1B5380F0-4F99-8040-AA8E-2422DB23FA3F}"/>
+                <a16:creationId xmlns:a16="http://schemas.microsoft.com/office/drawing/2014/main" xmlns="" id="{1B5380F0-4F99-8040-AA8E-2422DB23FA3F}"/>
               </a:ext>
             </a:extLst>
           </p:cNvPr>
@@ -1417,7 +1427,8 @@
           <a:p>
             <a:fld id="{089228D4-1D28-2B45-AE04-CCC0BA5AE948}" type="datetimeFigureOut">
               <a:rPr lang="en-US" smtClean="0"/>
-              <a:t>2/10/21</a:t>
+              <a:pPr/>
+              <a:t>6/21/2021</a:t>
             </a:fld>
             <a:endParaRPr lang="en-US"/>
           </a:p>
@@ -1428,7 +1439,7 @@
           <p:cNvPr id="6" name="Footer Placeholder 5">
             <a:extLst>
               <a:ext uri="{FF2B5EF4-FFF2-40B4-BE49-F238E27FC236}">
-                <a16:creationId xmlns:a16="http://schemas.microsoft.com/office/drawing/2014/main" id="{7EC151A1-247A-7040-9529-EDA1AB9FD712}"/>
+                <a16:creationId xmlns:a16="http://schemas.microsoft.com/office/drawing/2014/main" xmlns="" id="{7EC151A1-247A-7040-9529-EDA1AB9FD712}"/>
               </a:ext>
             </a:extLst>
           </p:cNvPr>
@@ -1453,7 +1464,7 @@
           <p:cNvPr id="7" name="Slide Number Placeholder 6">
             <a:extLst>
               <a:ext uri="{FF2B5EF4-FFF2-40B4-BE49-F238E27FC236}">
-                <a16:creationId xmlns:a16="http://schemas.microsoft.com/office/drawing/2014/main" id="{E4DC3640-8D64-6444-AE09-06E7DE753CC1}"/>
+                <a16:creationId xmlns:a16="http://schemas.microsoft.com/office/drawing/2014/main" xmlns="" id="{E4DC3640-8D64-6444-AE09-06E7DE753CC1}"/>
               </a:ext>
             </a:extLst>
           </p:cNvPr>
@@ -1471,6 +1482,7 @@
           <a:p>
             <a:fld id="{C74FB0F4-58DA-954B-980A-D3D1AD9E1A3F}" type="slidenum">
               <a:rPr lang="en-US" smtClean="0"/>
+              <a:pPr/>
               <a:t>‹#›</a:t>
             </a:fld>
             <a:endParaRPr lang="en-US"/>
@@ -1480,7 +1492,7 @@
     </p:spTree>
     <p:extLst>
       <p:ext uri="{BB962C8B-B14F-4D97-AF65-F5344CB8AC3E}">
-        <p14:creationId xmlns:p14="http://schemas.microsoft.com/office/powerpoint/2010/main" val="1448981913"/>
+        <p14:creationId xmlns:p14="http://schemas.microsoft.com/office/powerpoint/2010/main" xmlns="" val="1448981913"/>
       </p:ext>
     </p:extLst>
   </p:cSld>
@@ -1512,7 +1524,7 @@
           <p:cNvPr id="2" name="Title 1">
             <a:extLst>
               <a:ext uri="{FF2B5EF4-FFF2-40B4-BE49-F238E27FC236}">
-                <a16:creationId xmlns:a16="http://schemas.microsoft.com/office/drawing/2014/main" id="{78B01E5E-F48A-A143-954A-02D803CB2262}"/>
+                <a16:creationId xmlns:a16="http://schemas.microsoft.com/office/drawing/2014/main" xmlns="" id="{78B01E5E-F48A-A143-954A-02D803CB2262}"/>
               </a:ext>
             </a:extLst>
           </p:cNvPr>
@@ -1546,7 +1558,7 @@
           <p:cNvPr id="3" name="Text Placeholder 2">
             <a:extLst>
               <a:ext uri="{FF2B5EF4-FFF2-40B4-BE49-F238E27FC236}">
-                <a16:creationId xmlns:a16="http://schemas.microsoft.com/office/drawing/2014/main" id="{9B95954F-93F2-974B-9764-4986B33FB0E2}"/>
+                <a16:creationId xmlns:a16="http://schemas.microsoft.com/office/drawing/2014/main" xmlns="" id="{9B95954F-93F2-974B-9764-4986B33FB0E2}"/>
               </a:ext>
             </a:extLst>
           </p:cNvPr>
@@ -1617,7 +1629,7 @@
           <p:cNvPr id="4" name="Content Placeholder 3">
             <a:extLst>
               <a:ext uri="{FF2B5EF4-FFF2-40B4-BE49-F238E27FC236}">
-                <a16:creationId xmlns:a16="http://schemas.microsoft.com/office/drawing/2014/main" id="{0FDA8DA4-D11B-DB40-8913-5C2BBEA9F0E6}"/>
+                <a16:creationId xmlns:a16="http://schemas.microsoft.com/office/drawing/2014/main" xmlns="" id="{0FDA8DA4-D11B-DB40-8913-5C2BBEA9F0E6}"/>
               </a:ext>
             </a:extLst>
           </p:cNvPr>
@@ -1680,7 +1692,7 @@
           <p:cNvPr id="5" name="Text Placeholder 4">
             <a:extLst>
               <a:ext uri="{FF2B5EF4-FFF2-40B4-BE49-F238E27FC236}">
-                <a16:creationId xmlns:a16="http://schemas.microsoft.com/office/drawing/2014/main" id="{98BDAE39-BB6D-ED41-8562-6419206AC2A5}"/>
+                <a16:creationId xmlns:a16="http://schemas.microsoft.com/office/drawing/2014/main" xmlns="" id="{98BDAE39-BB6D-ED41-8562-6419206AC2A5}"/>
               </a:ext>
             </a:extLst>
           </p:cNvPr>
@@ -1751,7 +1763,7 @@
           <p:cNvPr id="6" name="Content Placeholder 5">
             <a:extLst>
               <a:ext uri="{FF2B5EF4-FFF2-40B4-BE49-F238E27FC236}">
-                <a16:creationId xmlns:a16="http://schemas.microsoft.com/office/drawing/2014/main" id="{C108C8F7-AA27-8848-9EF6-A7C325484A0B}"/>
+                <a16:creationId xmlns:a16="http://schemas.microsoft.com/office/drawing/2014/main" xmlns="" id="{C108C8F7-AA27-8848-9EF6-A7C325484A0B}"/>
               </a:ext>
             </a:extLst>
           </p:cNvPr>
@@ -1814,7 +1826,7 @@
           <p:cNvPr id="7" name="Date Placeholder 6">
             <a:extLst>
               <a:ext uri="{FF2B5EF4-FFF2-40B4-BE49-F238E27FC236}">
-                <a16:creationId xmlns:a16="http://schemas.microsoft.com/office/drawing/2014/main" id="{703A743D-D530-5E45-80DC-D761631838FB}"/>
+                <a16:creationId xmlns:a16="http://schemas.microsoft.com/office/drawing/2014/main" xmlns="" id="{703A743D-D530-5E45-80DC-D761631838FB}"/>
               </a:ext>
             </a:extLst>
           </p:cNvPr>
@@ -1832,7 +1844,8 @@
           <a:p>
             <a:fld id="{089228D4-1D28-2B45-AE04-CCC0BA5AE948}" type="datetimeFigureOut">
               <a:rPr lang="en-US" smtClean="0"/>
-              <a:t>2/10/21</a:t>
+              <a:pPr/>
+              <a:t>6/21/2021</a:t>
             </a:fld>
             <a:endParaRPr lang="en-US"/>
           </a:p>
@@ -1843,7 +1856,7 @@
           <p:cNvPr id="8" name="Footer Placeholder 7">
             <a:extLst>
               <a:ext uri="{FF2B5EF4-FFF2-40B4-BE49-F238E27FC236}">
-                <a16:creationId xmlns:a16="http://schemas.microsoft.com/office/drawing/2014/main" id="{17ECE390-C593-CC4F-9C9A-E0FC39ADB82D}"/>
+                <a16:creationId xmlns:a16="http://schemas.microsoft.com/office/drawing/2014/main" xmlns="" id="{17ECE390-C593-CC4F-9C9A-E0FC39ADB82D}"/>
               </a:ext>
             </a:extLst>
           </p:cNvPr>
@@ -1868,7 +1881,7 @@
           <p:cNvPr id="9" name="Slide Number Placeholder 8">
             <a:extLst>
               <a:ext uri="{FF2B5EF4-FFF2-40B4-BE49-F238E27FC236}">
-                <a16:creationId xmlns:a16="http://schemas.microsoft.com/office/drawing/2014/main" id="{2DEB2B4F-38BD-744E-B260-014A83C4D236}"/>
+                <a16:creationId xmlns:a16="http://schemas.microsoft.com/office/drawing/2014/main" xmlns="" id="{2DEB2B4F-38BD-744E-B260-014A83C4D236}"/>
               </a:ext>
             </a:extLst>
           </p:cNvPr>
@@ -1886,6 +1899,7 @@
           <a:p>
             <a:fld id="{C74FB0F4-58DA-954B-980A-D3D1AD9E1A3F}" type="slidenum">
               <a:rPr lang="en-US" smtClean="0"/>
+              <a:pPr/>
               <a:t>‹#›</a:t>
             </a:fld>
             <a:endParaRPr lang="en-US"/>
@@ -1895,7 +1909,7 @@
     </p:spTree>
     <p:extLst>
       <p:ext uri="{BB962C8B-B14F-4D97-AF65-F5344CB8AC3E}">
-        <p14:creationId xmlns:p14="http://schemas.microsoft.com/office/powerpoint/2010/main" val="3509726519"/>
+        <p14:creationId xmlns:p14="http://schemas.microsoft.com/office/powerpoint/2010/main" xmlns="" val="3509726519"/>
       </p:ext>
     </p:extLst>
   </p:cSld>
@@ -1927,7 +1941,7 @@
           <p:cNvPr id="2" name="Title 1">
             <a:extLst>
               <a:ext uri="{FF2B5EF4-FFF2-40B4-BE49-F238E27FC236}">
-                <a16:creationId xmlns:a16="http://schemas.microsoft.com/office/drawing/2014/main" id="{948D13D4-3F7C-9B4E-A6DE-569EBC18232C}"/>
+                <a16:creationId xmlns:a16="http://schemas.microsoft.com/office/drawing/2014/main" xmlns="" id="{948D13D4-3F7C-9B4E-A6DE-569EBC18232C}"/>
               </a:ext>
             </a:extLst>
           </p:cNvPr>
@@ -1956,7 +1970,7 @@
           <p:cNvPr id="3" name="Date Placeholder 2">
             <a:extLst>
               <a:ext uri="{FF2B5EF4-FFF2-40B4-BE49-F238E27FC236}">
-                <a16:creationId xmlns:a16="http://schemas.microsoft.com/office/drawing/2014/main" id="{7312F9A0-BE2B-BB4D-8A6B-79D7EC97938D}"/>
+                <a16:creationId xmlns:a16="http://schemas.microsoft.com/office/drawing/2014/main" xmlns="" id="{7312F9A0-BE2B-BB4D-8A6B-79D7EC97938D}"/>
               </a:ext>
             </a:extLst>
           </p:cNvPr>
@@ -1974,7 +1988,8 @@
           <a:p>
             <a:fld id="{089228D4-1D28-2B45-AE04-CCC0BA5AE948}" type="datetimeFigureOut">
               <a:rPr lang="en-US" smtClean="0"/>
-              <a:t>2/10/21</a:t>
+              <a:pPr/>
+              <a:t>6/21/2021</a:t>
             </a:fld>
             <a:endParaRPr lang="en-US"/>
           </a:p>
@@ -1985,7 +2000,7 @@
           <p:cNvPr id="4" name="Footer Placeholder 3">
             <a:extLst>
               <a:ext uri="{FF2B5EF4-FFF2-40B4-BE49-F238E27FC236}">
-                <a16:creationId xmlns:a16="http://schemas.microsoft.com/office/drawing/2014/main" id="{70621AFB-01AB-3F40-9551-C3A4CA9DC2D7}"/>
+                <a16:creationId xmlns:a16="http://schemas.microsoft.com/office/drawing/2014/main" xmlns="" id="{70621AFB-01AB-3F40-9551-C3A4CA9DC2D7}"/>
               </a:ext>
             </a:extLst>
           </p:cNvPr>
@@ -2010,7 +2025,7 @@
           <p:cNvPr id="5" name="Slide Number Placeholder 4">
             <a:extLst>
               <a:ext uri="{FF2B5EF4-FFF2-40B4-BE49-F238E27FC236}">
-                <a16:creationId xmlns:a16="http://schemas.microsoft.com/office/drawing/2014/main" id="{465186BE-4EF5-2D4B-A0A6-5FF849D8F37F}"/>
+                <a16:creationId xmlns:a16="http://schemas.microsoft.com/office/drawing/2014/main" xmlns="" id="{465186BE-4EF5-2D4B-A0A6-5FF849D8F37F}"/>
               </a:ext>
             </a:extLst>
           </p:cNvPr>
@@ -2028,6 +2043,7 @@
           <a:p>
             <a:fld id="{C74FB0F4-58DA-954B-980A-D3D1AD9E1A3F}" type="slidenum">
               <a:rPr lang="en-US" smtClean="0"/>
+              <a:pPr/>
               <a:t>‹#›</a:t>
             </a:fld>
             <a:endParaRPr lang="en-US"/>
@@ -2037,7 +2053,7 @@
     </p:spTree>
     <p:extLst>
       <p:ext uri="{BB962C8B-B14F-4D97-AF65-F5344CB8AC3E}">
-        <p14:creationId xmlns:p14="http://schemas.microsoft.com/office/powerpoint/2010/main" val="2300679061"/>
+        <p14:creationId xmlns:p14="http://schemas.microsoft.com/office/powerpoint/2010/main" xmlns="" val="2300679061"/>
       </p:ext>
     </p:extLst>
   </p:cSld>
@@ -2069,7 +2085,7 @@
           <p:cNvPr id="2" name="Date Placeholder 1">
             <a:extLst>
               <a:ext uri="{FF2B5EF4-FFF2-40B4-BE49-F238E27FC236}">
-                <a16:creationId xmlns:a16="http://schemas.microsoft.com/office/drawing/2014/main" id="{A3CB724F-F450-8B41-A55A-B2E9000EB906}"/>
+                <a16:creationId xmlns:a16="http://schemas.microsoft.com/office/drawing/2014/main" xmlns="" id="{A3CB724F-F450-8B41-A55A-B2E9000EB906}"/>
               </a:ext>
             </a:extLst>
           </p:cNvPr>
@@ -2087,7 +2103,8 @@
           <a:p>
             <a:fld id="{089228D4-1D28-2B45-AE04-CCC0BA5AE948}" type="datetimeFigureOut">
               <a:rPr lang="en-US" smtClean="0"/>
-              <a:t>2/10/21</a:t>
+              <a:pPr/>
+              <a:t>6/21/2021</a:t>
             </a:fld>
             <a:endParaRPr lang="en-US"/>
           </a:p>
@@ -2098,7 +2115,7 @@
           <p:cNvPr id="3" name="Footer Placeholder 2">
             <a:extLst>
               <a:ext uri="{FF2B5EF4-FFF2-40B4-BE49-F238E27FC236}">
-                <a16:creationId xmlns:a16="http://schemas.microsoft.com/office/drawing/2014/main" id="{38436CA0-64EB-D044-86D2-E6462FF77E49}"/>
+                <a16:creationId xmlns:a16="http://schemas.microsoft.com/office/drawing/2014/main" xmlns="" id="{38436CA0-64EB-D044-86D2-E6462FF77E49}"/>
               </a:ext>
             </a:extLst>
           </p:cNvPr>
@@ -2123,7 +2140,7 @@
           <p:cNvPr id="4" name="Slide Number Placeholder 3">
             <a:extLst>
               <a:ext uri="{FF2B5EF4-FFF2-40B4-BE49-F238E27FC236}">
-                <a16:creationId xmlns:a16="http://schemas.microsoft.com/office/drawing/2014/main" id="{BDBBA890-7BBC-2449-8D52-45A80F6F89E7}"/>
+                <a16:creationId xmlns:a16="http://schemas.microsoft.com/office/drawing/2014/main" xmlns="" id="{BDBBA890-7BBC-2449-8D52-45A80F6F89E7}"/>
               </a:ext>
             </a:extLst>
           </p:cNvPr>
@@ -2141,6 +2158,7 @@
           <a:p>
             <a:fld id="{C74FB0F4-58DA-954B-980A-D3D1AD9E1A3F}" type="slidenum">
               <a:rPr lang="en-US" smtClean="0"/>
+              <a:pPr/>
               <a:t>‹#›</a:t>
             </a:fld>
             <a:endParaRPr lang="en-US"/>
@@ -2150,7 +2168,7 @@
     </p:spTree>
     <p:extLst>
       <p:ext uri="{BB962C8B-B14F-4D97-AF65-F5344CB8AC3E}">
-        <p14:creationId xmlns:p14="http://schemas.microsoft.com/office/powerpoint/2010/main" val="3115787803"/>
+        <p14:creationId xmlns:p14="http://schemas.microsoft.com/office/powerpoint/2010/main" xmlns="" val="3115787803"/>
       </p:ext>
     </p:extLst>
   </p:cSld>
@@ -2182,7 +2200,7 @@
           <p:cNvPr id="2" name="Title 1">
             <a:extLst>
               <a:ext uri="{FF2B5EF4-FFF2-40B4-BE49-F238E27FC236}">
-                <a16:creationId xmlns:a16="http://schemas.microsoft.com/office/drawing/2014/main" id="{842BD3FA-B962-E64D-8510-A724DF044D08}"/>
+                <a16:creationId xmlns:a16="http://schemas.microsoft.com/office/drawing/2014/main" xmlns="" id="{842BD3FA-B962-E64D-8510-A724DF044D08}"/>
               </a:ext>
             </a:extLst>
           </p:cNvPr>
@@ -2220,7 +2238,7 @@
           <p:cNvPr id="3" name="Content Placeholder 2">
             <a:extLst>
               <a:ext uri="{FF2B5EF4-FFF2-40B4-BE49-F238E27FC236}">
-                <a16:creationId xmlns:a16="http://schemas.microsoft.com/office/drawing/2014/main" id="{D3758AF7-E15E-5644-9318-21CBB28AAB72}"/>
+                <a16:creationId xmlns:a16="http://schemas.microsoft.com/office/drawing/2014/main" xmlns="" id="{D3758AF7-E15E-5644-9318-21CBB28AAB72}"/>
               </a:ext>
             </a:extLst>
           </p:cNvPr>
@@ -2311,7 +2329,7 @@
           <p:cNvPr id="4" name="Text Placeholder 3">
             <a:extLst>
               <a:ext uri="{FF2B5EF4-FFF2-40B4-BE49-F238E27FC236}">
-                <a16:creationId xmlns:a16="http://schemas.microsoft.com/office/drawing/2014/main" id="{8E7381EE-E641-8445-A659-A62BC632EA4C}"/>
+                <a16:creationId xmlns:a16="http://schemas.microsoft.com/office/drawing/2014/main" xmlns="" id="{8E7381EE-E641-8445-A659-A62BC632EA4C}"/>
               </a:ext>
             </a:extLst>
           </p:cNvPr>
@@ -2382,7 +2400,7 @@
           <p:cNvPr id="5" name="Date Placeholder 4">
             <a:extLst>
               <a:ext uri="{FF2B5EF4-FFF2-40B4-BE49-F238E27FC236}">
-                <a16:creationId xmlns:a16="http://schemas.microsoft.com/office/drawing/2014/main" id="{7540CF04-EF7C-934C-A5E7-6634EAEC6D56}"/>
+                <a16:creationId xmlns:a16="http://schemas.microsoft.com/office/drawing/2014/main" xmlns="" id="{7540CF04-EF7C-934C-A5E7-6634EAEC6D56}"/>
               </a:ext>
             </a:extLst>
           </p:cNvPr>
@@ -2400,7 +2418,8 @@
           <a:p>
             <a:fld id="{089228D4-1D28-2B45-AE04-CCC0BA5AE948}" type="datetimeFigureOut">
               <a:rPr lang="en-US" smtClean="0"/>
-              <a:t>2/10/21</a:t>
+              <a:pPr/>
+              <a:t>6/21/2021</a:t>
             </a:fld>
             <a:endParaRPr lang="en-US"/>
           </a:p>
@@ -2411,7 +2430,7 @@
           <p:cNvPr id="6" name="Footer Placeholder 5">
             <a:extLst>
               <a:ext uri="{FF2B5EF4-FFF2-40B4-BE49-F238E27FC236}">
-                <a16:creationId xmlns:a16="http://schemas.microsoft.com/office/drawing/2014/main" id="{3DA0F152-5DD4-CB4D-8BD7-D68AF093E13D}"/>
+                <a16:creationId xmlns:a16="http://schemas.microsoft.com/office/drawing/2014/main" xmlns="" id="{3DA0F152-5DD4-CB4D-8BD7-D68AF093E13D}"/>
               </a:ext>
             </a:extLst>
           </p:cNvPr>
@@ -2436,7 +2455,7 @@
           <p:cNvPr id="7" name="Slide Number Placeholder 6">
             <a:extLst>
               <a:ext uri="{FF2B5EF4-FFF2-40B4-BE49-F238E27FC236}">
-                <a16:creationId xmlns:a16="http://schemas.microsoft.com/office/drawing/2014/main" id="{BCCACDFB-EF9D-5645-8689-64564084187C}"/>
+                <a16:creationId xmlns:a16="http://schemas.microsoft.com/office/drawing/2014/main" xmlns="" id="{BCCACDFB-EF9D-5645-8689-64564084187C}"/>
               </a:ext>
             </a:extLst>
           </p:cNvPr>
@@ -2454,6 +2473,7 @@
           <a:p>
             <a:fld id="{C74FB0F4-58DA-954B-980A-D3D1AD9E1A3F}" type="slidenum">
               <a:rPr lang="en-US" smtClean="0"/>
+              <a:pPr/>
               <a:t>‹#›</a:t>
             </a:fld>
             <a:endParaRPr lang="en-US"/>
@@ -2463,7 +2483,7 @@
     </p:spTree>
     <p:extLst>
       <p:ext uri="{BB962C8B-B14F-4D97-AF65-F5344CB8AC3E}">
-        <p14:creationId xmlns:p14="http://schemas.microsoft.com/office/powerpoint/2010/main" val="589134431"/>
+        <p14:creationId xmlns:p14="http://schemas.microsoft.com/office/powerpoint/2010/main" xmlns="" val="589134431"/>
       </p:ext>
     </p:extLst>
   </p:cSld>
@@ -2495,7 +2515,7 @@
           <p:cNvPr id="2" name="Title 1">
             <a:extLst>
               <a:ext uri="{FF2B5EF4-FFF2-40B4-BE49-F238E27FC236}">
-                <a16:creationId xmlns:a16="http://schemas.microsoft.com/office/drawing/2014/main" id="{496839BD-762F-374B-9A0F-F9044628A835}"/>
+                <a16:creationId xmlns:a16="http://schemas.microsoft.com/office/drawing/2014/main" xmlns="" id="{496839BD-762F-374B-9A0F-F9044628A835}"/>
               </a:ext>
             </a:extLst>
           </p:cNvPr>
@@ -2533,7 +2553,7 @@
           <p:cNvPr id="3" name="Picture Placeholder 2">
             <a:extLst>
               <a:ext uri="{FF2B5EF4-FFF2-40B4-BE49-F238E27FC236}">
-                <a16:creationId xmlns:a16="http://schemas.microsoft.com/office/drawing/2014/main" id="{C36FA871-C6D3-8347-A530-E4DD90012C8B}"/>
+                <a16:creationId xmlns:a16="http://schemas.microsoft.com/office/drawing/2014/main" xmlns="" id="{C36FA871-C6D3-8347-A530-E4DD90012C8B}"/>
               </a:ext>
             </a:extLst>
           </p:cNvPr>
@@ -2600,7 +2620,7 @@
           <p:cNvPr id="4" name="Text Placeholder 3">
             <a:extLst>
               <a:ext uri="{FF2B5EF4-FFF2-40B4-BE49-F238E27FC236}">
-                <a16:creationId xmlns:a16="http://schemas.microsoft.com/office/drawing/2014/main" id="{99230900-017E-554F-B51B-6BA212138542}"/>
+                <a16:creationId xmlns:a16="http://schemas.microsoft.com/office/drawing/2014/main" xmlns="" id="{99230900-017E-554F-B51B-6BA212138542}"/>
               </a:ext>
             </a:extLst>
           </p:cNvPr>
@@ -2671,7 +2691,7 @@
           <p:cNvPr id="5" name="Date Placeholder 4">
             <a:extLst>
               <a:ext uri="{FF2B5EF4-FFF2-40B4-BE49-F238E27FC236}">
-                <a16:creationId xmlns:a16="http://schemas.microsoft.com/office/drawing/2014/main" id="{40B0E824-FBB8-BA41-B6D0-5249280C2331}"/>
+                <a16:creationId xmlns:a16="http://schemas.microsoft.com/office/drawing/2014/main" xmlns="" id="{40B0E824-FBB8-BA41-B6D0-5249280C2331}"/>
               </a:ext>
             </a:extLst>
           </p:cNvPr>
@@ -2689,7 +2709,8 @@
           <a:p>
             <a:fld id="{089228D4-1D28-2B45-AE04-CCC0BA5AE948}" type="datetimeFigureOut">
               <a:rPr lang="en-US" smtClean="0"/>
-              <a:t>2/10/21</a:t>
+              <a:pPr/>
+              <a:t>6/21/2021</a:t>
             </a:fld>
             <a:endParaRPr lang="en-US"/>
           </a:p>
@@ -2700,7 +2721,7 @@
           <p:cNvPr id="6" name="Footer Placeholder 5">
             <a:extLst>
               <a:ext uri="{FF2B5EF4-FFF2-40B4-BE49-F238E27FC236}">
-                <a16:creationId xmlns:a16="http://schemas.microsoft.com/office/drawing/2014/main" id="{46B7E2DD-C46E-4A4C-9852-B566C14731D8}"/>
+                <a16:creationId xmlns:a16="http://schemas.microsoft.com/office/drawing/2014/main" xmlns="" id="{46B7E2DD-C46E-4A4C-9852-B566C14731D8}"/>
               </a:ext>
             </a:extLst>
           </p:cNvPr>
@@ -2725,7 +2746,7 @@
           <p:cNvPr id="7" name="Slide Number Placeholder 6">
             <a:extLst>
               <a:ext uri="{FF2B5EF4-FFF2-40B4-BE49-F238E27FC236}">
-                <a16:creationId xmlns:a16="http://schemas.microsoft.com/office/drawing/2014/main" id="{09A36318-30DF-E14A-9841-F9475026028B}"/>
+                <a16:creationId xmlns:a16="http://schemas.microsoft.com/office/drawing/2014/main" xmlns="" id="{09A36318-30DF-E14A-9841-F9475026028B}"/>
               </a:ext>
             </a:extLst>
           </p:cNvPr>
@@ -2743,6 +2764,7 @@
           <a:p>
             <a:fld id="{C74FB0F4-58DA-954B-980A-D3D1AD9E1A3F}" type="slidenum">
               <a:rPr lang="en-US" smtClean="0"/>
+              <a:pPr/>
               <a:t>‹#›</a:t>
             </a:fld>
             <a:endParaRPr lang="en-US"/>
@@ -2752,7 +2774,7 @@
     </p:spTree>
     <p:extLst>
       <p:ext uri="{BB962C8B-B14F-4D97-AF65-F5344CB8AC3E}">
-        <p14:creationId xmlns:p14="http://schemas.microsoft.com/office/powerpoint/2010/main" val="3539828318"/>
+        <p14:creationId xmlns:p14="http://schemas.microsoft.com/office/powerpoint/2010/main" xmlns="" val="3539828318"/>
       </p:ext>
     </p:extLst>
   </p:cSld>
@@ -2789,7 +2811,7 @@
           <p:cNvPr id="2" name="Title Placeholder 1">
             <a:extLst>
               <a:ext uri="{FF2B5EF4-FFF2-40B4-BE49-F238E27FC236}">
-                <a16:creationId xmlns:a16="http://schemas.microsoft.com/office/drawing/2014/main" id="{7504CEC0-2803-0641-B3F7-B4AE1E3FD3CA}"/>
+                <a16:creationId xmlns:a16="http://schemas.microsoft.com/office/drawing/2014/main" xmlns="" id="{7504CEC0-2803-0641-B3F7-B4AE1E3FD3CA}"/>
               </a:ext>
             </a:extLst>
           </p:cNvPr>
@@ -2828,7 +2850,7 @@
           <p:cNvPr id="3" name="Text Placeholder 2">
             <a:extLst>
               <a:ext uri="{FF2B5EF4-FFF2-40B4-BE49-F238E27FC236}">
-                <a16:creationId xmlns:a16="http://schemas.microsoft.com/office/drawing/2014/main" id="{0F54661C-F66B-AF42-A9D6-8023623A76D3}"/>
+                <a16:creationId xmlns:a16="http://schemas.microsoft.com/office/drawing/2014/main" xmlns="" id="{0F54661C-F66B-AF42-A9D6-8023623A76D3}"/>
               </a:ext>
             </a:extLst>
           </p:cNvPr>
@@ -2896,7 +2918,7 @@
           <p:cNvPr id="4" name="Date Placeholder 3">
             <a:extLst>
               <a:ext uri="{FF2B5EF4-FFF2-40B4-BE49-F238E27FC236}">
-                <a16:creationId xmlns:a16="http://schemas.microsoft.com/office/drawing/2014/main" id="{95F1113D-D958-E044-BBCD-64C59C41D09F}"/>
+                <a16:creationId xmlns:a16="http://schemas.microsoft.com/office/drawing/2014/main" xmlns="" id="{95F1113D-D958-E044-BBCD-64C59C41D09F}"/>
               </a:ext>
             </a:extLst>
           </p:cNvPr>
@@ -2932,7 +2954,8 @@
           <a:p>
             <a:fld id="{089228D4-1D28-2B45-AE04-CCC0BA5AE948}" type="datetimeFigureOut">
               <a:rPr lang="en-US" smtClean="0"/>
-              <a:t>2/10/21</a:t>
+              <a:pPr/>
+              <a:t>6/21/2021</a:t>
             </a:fld>
             <a:endParaRPr lang="en-US"/>
           </a:p>
@@ -2943,7 +2966,7 @@
           <p:cNvPr id="5" name="Footer Placeholder 4">
             <a:extLst>
               <a:ext uri="{FF2B5EF4-FFF2-40B4-BE49-F238E27FC236}">
-                <a16:creationId xmlns:a16="http://schemas.microsoft.com/office/drawing/2014/main" id="{67552C35-3A8E-E942-93D9-73389754C110}"/>
+                <a16:creationId xmlns:a16="http://schemas.microsoft.com/office/drawing/2014/main" xmlns="" id="{67552C35-3A8E-E942-93D9-73389754C110}"/>
               </a:ext>
             </a:extLst>
           </p:cNvPr>
@@ -2986,7 +3009,7 @@
           <p:cNvPr id="6" name="Slide Number Placeholder 5">
             <a:extLst>
               <a:ext uri="{FF2B5EF4-FFF2-40B4-BE49-F238E27FC236}">
-                <a16:creationId xmlns:a16="http://schemas.microsoft.com/office/drawing/2014/main" id="{5DABC850-8F4A-9446-86CF-FB7D2DFB7962}"/>
+                <a16:creationId xmlns:a16="http://schemas.microsoft.com/office/drawing/2014/main" xmlns="" id="{5DABC850-8F4A-9446-86CF-FB7D2DFB7962}"/>
               </a:ext>
             </a:extLst>
           </p:cNvPr>
@@ -3022,6 +3045,7 @@
           <a:p>
             <a:fld id="{C74FB0F4-58DA-954B-980A-D3D1AD9E1A3F}" type="slidenum">
               <a:rPr lang="en-US" smtClean="0"/>
+              <a:pPr/>
               <a:t>‹#›</a:t>
             </a:fld>
             <a:endParaRPr lang="en-US"/>
@@ -3031,7 +3055,7 @@
     </p:spTree>
     <p:extLst>
       <p:ext uri="{BB962C8B-B14F-4D97-AF65-F5344CB8AC3E}">
-        <p14:creationId xmlns:p14="http://schemas.microsoft.com/office/powerpoint/2010/main" val="1509806328"/>
+        <p14:creationId xmlns:p14="http://schemas.microsoft.com/office/powerpoint/2010/main" xmlns="" val="1509806328"/>
       </p:ext>
     </p:extLst>
   </p:cSld>
@@ -3354,7 +3378,7 @@
           <p:cNvPr id="2" name="Title 1">
             <a:extLst>
               <a:ext uri="{FF2B5EF4-FFF2-40B4-BE49-F238E27FC236}">
-                <a16:creationId xmlns:a16="http://schemas.microsoft.com/office/drawing/2014/main" id="{D6E3B532-E52B-A64B-AC22-830258449BB4}"/>
+                <a16:creationId xmlns:a16="http://schemas.microsoft.com/office/drawing/2014/main" xmlns="" id="{D6E3B532-E52B-A64B-AC22-830258449BB4}"/>
               </a:ext>
             </a:extLst>
           </p:cNvPr>
@@ -3374,38 +3398,13 @@
               <a:rPr lang="en-US"/>
               <a:t>Distance Measures</a:t>
             </a:r>
-          </a:p>
-        </p:txBody>
-      </p:sp>
-      <p:sp>
-        <p:nvSpPr>
-          <p:cNvPr id="3" name="Subtitle 2">
-            <a:extLst>
-              <a:ext uri="{FF2B5EF4-FFF2-40B4-BE49-F238E27FC236}">
-                <a16:creationId xmlns:a16="http://schemas.microsoft.com/office/drawing/2014/main" id="{FC2FC635-C36A-DE49-BDF9-18746A7A0F2D}"/>
-              </a:ext>
-            </a:extLst>
-          </p:cNvPr>
-          <p:cNvSpPr>
-            <a:spLocks noGrp="1"/>
-          </p:cNvSpPr>
-          <p:nvPr>
-            <p:ph type="subTitle" idx="1"/>
-          </p:nvPr>
-        </p:nvSpPr>
-        <p:spPr/>
-        <p:txBody>
-          <a:bodyPr/>
-          <a:lstStyle/>
-          <a:p>
-            <a:endParaRPr lang="en-US" dirty="0"/>
           </a:p>
         </p:txBody>
       </p:sp>
     </p:spTree>
     <p:extLst>
       <p:ext uri="{BB962C8B-B14F-4D97-AF65-F5344CB8AC3E}">
-        <p14:creationId xmlns:p14="http://schemas.microsoft.com/office/powerpoint/2010/main" val="2632231816"/>
+        <p14:creationId xmlns:p14="http://schemas.microsoft.com/office/powerpoint/2010/main" xmlns="" val="2632231816"/>
       </p:ext>
     </p:extLst>
   </p:cSld>
@@ -3437,7 +3436,7 @@
           <p:cNvPr id="1026" name="Picture 2" descr="knn">
             <a:extLst>
               <a:ext uri="{FF2B5EF4-FFF2-40B4-BE49-F238E27FC236}">
-                <a16:creationId xmlns:a16="http://schemas.microsoft.com/office/drawing/2014/main" id="{DB38693A-7CAF-0B47-8D55-E0ACA9CA5680}"/>
+                <a16:creationId xmlns:a16="http://schemas.microsoft.com/office/drawing/2014/main" xmlns="" id="{DB38693A-7CAF-0B47-8D55-E0ACA9CA5680}"/>
               </a:ext>
             </a:extLst>
           </p:cNvPr>
@@ -3450,7 +3449,7 @@
           <a:blip r:embed="rId2">
             <a:extLst>
               <a:ext uri="{28A0092B-C50C-407E-A947-70E740481C1C}">
-                <a14:useLocalDpi xmlns:a14="http://schemas.microsoft.com/office/drawing/2010/main" val="0"/>
+                <a14:useLocalDpi xmlns:a14="http://schemas.microsoft.com/office/drawing/2010/main" xmlns="" val="0"/>
               </a:ext>
             </a:extLst>
           </a:blip>
@@ -3470,7 +3469,7 @@
           <a:noFill/>
           <a:extLst>
             <a:ext uri="{909E8E84-426E-40DD-AFC4-6F175D3DCCD1}">
-              <a14:hiddenFill xmlns:a14="http://schemas.microsoft.com/office/drawing/2010/main">
+              <a14:hiddenFill xmlns:a14="http://schemas.microsoft.com/office/drawing/2010/main" xmlns="">
                 <a:solidFill>
                   <a:srgbClr val="FFFFFF"/>
                 </a:solidFill>
@@ -3482,7 +3481,7 @@
     </p:spTree>
     <p:extLst>
       <p:ext uri="{BB962C8B-B14F-4D97-AF65-F5344CB8AC3E}">
-        <p14:creationId xmlns:p14="http://schemas.microsoft.com/office/powerpoint/2010/main" val="1633358165"/>
+        <p14:creationId xmlns:p14="http://schemas.microsoft.com/office/powerpoint/2010/main" xmlns="" val="1633358165"/>
       </p:ext>
     </p:extLst>
   </p:cSld>
@@ -3514,7 +3513,7 @@
           <p:cNvPr id="2" name="Title 1">
             <a:extLst>
               <a:ext uri="{FF2B5EF4-FFF2-40B4-BE49-F238E27FC236}">
-                <a16:creationId xmlns:a16="http://schemas.microsoft.com/office/drawing/2014/main" id="{BC6CCC55-E17A-FA49-917C-1E2FB39F21DB}"/>
+                <a16:creationId xmlns:a16="http://schemas.microsoft.com/office/drawing/2014/main" xmlns="" id="{BC6CCC55-E17A-FA49-917C-1E2FB39F21DB}"/>
               </a:ext>
             </a:extLst>
           </p:cNvPr>
@@ -3552,7 +3551,7 @@
           <p:cNvPr id="3" name="Content Placeholder 2">
             <a:extLst>
               <a:ext uri="{FF2B5EF4-FFF2-40B4-BE49-F238E27FC236}">
-                <a16:creationId xmlns:a16="http://schemas.microsoft.com/office/drawing/2014/main" id="{52B4FAC3-C88F-8248-98EB-B41602565E4E}"/>
+                <a16:creationId xmlns:a16="http://schemas.microsoft.com/office/drawing/2014/main" xmlns="" id="{52B4FAC3-C88F-8248-98EB-B41602565E4E}"/>
               </a:ext>
             </a:extLst>
           </p:cNvPr>
@@ -3590,7 +3589,7 @@
     </p:spTree>
     <p:extLst>
       <p:ext uri="{BB962C8B-B14F-4D97-AF65-F5344CB8AC3E}">
-        <p14:creationId xmlns:p14="http://schemas.microsoft.com/office/powerpoint/2010/main" val="2379069096"/>
+        <p14:creationId xmlns:p14="http://schemas.microsoft.com/office/powerpoint/2010/main" xmlns="" val="2379069096"/>
       </p:ext>
     </p:extLst>
   </p:cSld>
@@ -3643,7 +3642,7 @@
     </a:clrScheme>
     <a:fontScheme name="Office">
       <a:majorFont>
-        <a:latin typeface="Calibri Light" panose="020F0302020204030204"/>
+        <a:latin typeface="Calibri Light"/>
         <a:ea typeface=""/>
         <a:cs typeface=""/>
         <a:font script="Jpan" typeface="游ゴシック Light"/>
@@ -3695,7 +3694,7 @@
         <a:font script="Tfng" typeface="Ebrima"/>
       </a:majorFont>
       <a:minorFont>
-        <a:latin typeface="Calibri" panose="020F0502020204030204"/>
+        <a:latin typeface="Calibri"/>
         <a:ea typeface=""/>
         <a:cs typeface=""/>
         <a:font script="Jpan" typeface="游ゴシック"/>
@@ -3889,7 +3888,7 @@
   <a:extraClrSchemeLst/>
   <a:extLst>
     <a:ext uri="{05A4C25C-085E-4340-85A3-A5531E510DB2}">
-      <thm15:themeFamily xmlns:thm15="http://schemas.microsoft.com/office/thememl/2012/main" name="Office Theme" id="{62F939B6-93AF-4DB8-9C6B-D6C7DFDC589F}" vid="{4A3C46E8-61CC-4603-A589-7422A47A8E4A}"/>
+      <thm15:themeFamily xmlns:thm15="http://schemas.microsoft.com/office/thememl/2012/main" xmlns="" name="Office Theme" id="{62F939B6-93AF-4DB8-9C6B-D6C7DFDC589F}" vid="{4A3C46E8-61CC-4603-A589-7422A47A8E4A}"/>
     </a:ext>
   </a:extLst>
 </a:theme>
